--- a/data/MyDietApp.pptx
+++ b/data/MyDietApp.pptx
@@ -166,7 +166,7 @@
           </a:lstStyle>
           <a:p>
             <a:r>
-              <a:rPr lang="en-US" smtClean="0"/>
+              <a:rPr lang="en-US"/>
               <a:t>Click to edit Master title style</a:t>
             </a:r>
             <a:endParaRPr lang="en-US" dirty="0"/>
@@ -286,7 +286,7 @@
           </a:lstStyle>
           <a:p>
             <a:r>
-              <a:rPr lang="en-US" smtClean="0"/>
+              <a:rPr lang="en-US"/>
               <a:t>Click to edit Master subtitle style</a:t>
             </a:r>
             <a:endParaRPr lang="en-US" dirty="0"/>
@@ -310,7 +310,7 @@
           <a:p>
             <a:fld id="{E5458196-422F-424E-8345-ECE6F43BEC09}" type="datetimeFigureOut">
               <a:rPr lang="en-US" smtClean="0"/>
-              <a:t>9/12/2016</a:t>
+              <a:t>9/16/2016</a:t>
             </a:fld>
             <a:endParaRPr lang="en-US"/>
           </a:p>
@@ -415,7 +415,7 @@
           </a:lstStyle>
           <a:p>
             <a:r>
-              <a:rPr lang="en-US" smtClean="0"/>
+              <a:rPr lang="en-US"/>
               <a:t>Click to edit Master title style</a:t>
             </a:r>
             <a:endParaRPr lang="en-US" dirty="0"/>
@@ -494,7 +494,7 @@
           </a:lstStyle>
           <a:p>
             <a:r>
-              <a:rPr lang="en-US" smtClean="0"/>
+              <a:rPr lang="en-US"/>
               <a:t>Click icon to add picture</a:t>
             </a:r>
             <a:endParaRPr lang="en-US" dirty="0"/>
@@ -562,7 +562,7 @@
           <a:p>
             <a:pPr lvl="0"/>
             <a:r>
-              <a:rPr lang="en-US" smtClean="0"/>
+              <a:rPr lang="en-US"/>
               <a:t>Click to edit Master text styles</a:t>
             </a:r>
           </a:p>
@@ -585,7 +585,7 @@
           <a:p>
             <a:fld id="{E5458196-422F-424E-8345-ECE6F43BEC09}" type="datetimeFigureOut">
               <a:rPr lang="en-US" smtClean="0"/>
-              <a:t>9/12/2016</a:t>
+              <a:t>9/16/2016</a:t>
             </a:fld>
             <a:endParaRPr lang="en-US"/>
           </a:p>
@@ -688,7 +688,7 @@
           </a:lstStyle>
           <a:p>
             <a:r>
-              <a:rPr lang="en-US" smtClean="0"/>
+              <a:rPr lang="en-US"/>
               <a:t>Click to edit Master title style</a:t>
             </a:r>
             <a:endParaRPr lang="en-US" dirty="0"/>
@@ -756,7 +756,7 @@
           <a:p>
             <a:pPr lvl="0"/>
             <a:r>
-              <a:rPr lang="en-US" smtClean="0"/>
+              <a:rPr lang="en-US"/>
               <a:t>Click to edit Master text styles</a:t>
             </a:r>
           </a:p>
@@ -779,7 +779,7 @@
           <a:p>
             <a:fld id="{E5458196-422F-424E-8345-ECE6F43BEC09}" type="datetimeFigureOut">
               <a:rPr lang="en-US" smtClean="0"/>
-              <a:t>9/12/2016</a:t>
+              <a:t>9/16/2016</a:t>
             </a:fld>
             <a:endParaRPr lang="en-US"/>
           </a:p>
@@ -882,7 +882,7 @@
           </a:lstStyle>
           <a:p>
             <a:r>
-              <a:rPr lang="en-US" smtClean="0"/>
+              <a:rPr lang="en-US"/>
               <a:t>Click to edit Master title style</a:t>
             </a:r>
             <a:endParaRPr lang="en-US" dirty="0"/>
@@ -962,7 +962,7 @@
               <a:buNone/>
             </a:pPr>
             <a:r>
-              <a:rPr lang="en-US" smtClean="0"/>
+              <a:rPr lang="en-US"/>
               <a:t>Click to edit Master text styles</a:t>
             </a:r>
           </a:p>
@@ -1029,7 +1029,7 @@
           <a:p>
             <a:pPr lvl="0"/>
             <a:r>
-              <a:rPr lang="en-US" smtClean="0"/>
+              <a:rPr lang="en-US"/>
               <a:t>Click to edit Master text styles</a:t>
             </a:r>
           </a:p>
@@ -1052,7 +1052,7 @@
           <a:p>
             <a:fld id="{E5458196-422F-424E-8345-ECE6F43BEC09}" type="datetimeFigureOut">
               <a:rPr lang="en-US" smtClean="0"/>
-              <a:t>9/12/2016</a:t>
+              <a:t>9/16/2016</a:t>
             </a:fld>
             <a:endParaRPr lang="en-US"/>
           </a:p>
@@ -1249,7 +1249,7 @@
           </a:lstStyle>
           <a:p>
             <a:r>
-              <a:rPr lang="en-US" smtClean="0"/>
+              <a:rPr lang="en-US"/>
               <a:t>Click to edit Master title style</a:t>
             </a:r>
             <a:endParaRPr lang="en-US" dirty="0"/>
@@ -1370,7 +1370,7 @@
           <a:p>
             <a:pPr lvl="0"/>
             <a:r>
-              <a:rPr lang="en-US" smtClean="0"/>
+              <a:rPr lang="en-US"/>
               <a:t>Click to edit Master text styles</a:t>
             </a:r>
           </a:p>
@@ -1393,7 +1393,7 @@
           <a:p>
             <a:fld id="{E5458196-422F-424E-8345-ECE6F43BEC09}" type="datetimeFigureOut">
               <a:rPr lang="en-US" smtClean="0"/>
-              <a:t>9/12/2016</a:t>
+              <a:t>9/16/2016</a:t>
             </a:fld>
             <a:endParaRPr lang="en-US"/>
           </a:p>
@@ -1491,7 +1491,7 @@
           </a:lstStyle>
           <a:p>
             <a:r>
-              <a:rPr lang="en-US" smtClean="0"/>
+              <a:rPr lang="en-US"/>
               <a:t>Click to edit Master title style</a:t>
             </a:r>
             <a:endParaRPr lang="en-US" dirty="0"/>
@@ -1566,7 +1566,7 @@
           <a:p>
             <a:pPr lvl="0"/>
             <a:r>
-              <a:rPr lang="en-US" smtClean="0"/>
+              <a:rPr lang="en-US"/>
               <a:t>Click to edit Master text styles</a:t>
             </a:r>
           </a:p>
@@ -1633,7 +1633,7 @@
           <a:p>
             <a:pPr lvl="0"/>
             <a:r>
-              <a:rPr lang="en-US" smtClean="0"/>
+              <a:rPr lang="en-US"/>
               <a:t>Click to edit Master text styles</a:t>
             </a:r>
           </a:p>
@@ -1707,7 +1707,7 @@
           <a:p>
             <a:pPr lvl="0"/>
             <a:r>
-              <a:rPr lang="en-US" smtClean="0"/>
+              <a:rPr lang="en-US"/>
               <a:t>Click to edit Master text styles</a:t>
             </a:r>
           </a:p>
@@ -1774,7 +1774,7 @@
           <a:p>
             <a:pPr lvl="0"/>
             <a:r>
-              <a:rPr lang="en-US" smtClean="0"/>
+              <a:rPr lang="en-US"/>
               <a:t>Click to edit Master text styles</a:t>
             </a:r>
           </a:p>
@@ -1848,7 +1848,7 @@
           <a:p>
             <a:pPr lvl="0"/>
             <a:r>
-              <a:rPr lang="en-US" smtClean="0"/>
+              <a:rPr lang="en-US"/>
               <a:t>Click to edit Master text styles</a:t>
             </a:r>
           </a:p>
@@ -1915,7 +1915,7 @@
           <a:p>
             <a:pPr lvl="0"/>
             <a:r>
-              <a:rPr lang="en-US" smtClean="0"/>
+              <a:rPr lang="en-US"/>
               <a:t>Click to edit Master text styles</a:t>
             </a:r>
           </a:p>
@@ -2016,7 +2016,7 @@
           <a:p>
             <a:fld id="{E5458196-422F-424E-8345-ECE6F43BEC09}" type="datetimeFigureOut">
               <a:rPr lang="en-US" smtClean="0"/>
-              <a:t>9/12/2016</a:t>
+              <a:t>9/16/2016</a:t>
             </a:fld>
             <a:endParaRPr lang="en-US"/>
           </a:p>
@@ -2114,7 +2114,7 @@
           </a:lstStyle>
           <a:p>
             <a:r>
-              <a:rPr lang="en-US" smtClean="0"/>
+              <a:rPr lang="en-US"/>
               <a:t>Click to edit Master title style</a:t>
             </a:r>
             <a:endParaRPr lang="en-US" dirty="0"/>
@@ -2189,7 +2189,7 @@
           <a:p>
             <a:pPr lvl="0"/>
             <a:r>
-              <a:rPr lang="en-US" smtClean="0"/>
+              <a:rPr lang="en-US"/>
               <a:t>Click to edit Master text styles</a:t>
             </a:r>
           </a:p>
@@ -2267,7 +2267,7 @@
           </a:lstStyle>
           <a:p>
             <a:r>
-              <a:rPr lang="en-US" smtClean="0"/>
+              <a:rPr lang="en-US"/>
               <a:t>Click icon to add picture</a:t>
             </a:r>
             <a:endParaRPr lang="en-US" dirty="0"/>
@@ -2335,7 +2335,7 @@
           <a:p>
             <a:pPr lvl="0"/>
             <a:r>
-              <a:rPr lang="en-US" smtClean="0"/>
+              <a:rPr lang="en-US"/>
               <a:t>Click to edit Master text styles</a:t>
             </a:r>
           </a:p>
@@ -2409,7 +2409,7 @@
           <a:p>
             <a:pPr lvl="0"/>
             <a:r>
-              <a:rPr lang="en-US" smtClean="0"/>
+              <a:rPr lang="en-US"/>
               <a:t>Click to edit Master text styles</a:t>
             </a:r>
           </a:p>
@@ -2487,7 +2487,7 @@
           </a:lstStyle>
           <a:p>
             <a:r>
-              <a:rPr lang="en-US" smtClean="0"/>
+              <a:rPr lang="en-US"/>
               <a:t>Click icon to add picture</a:t>
             </a:r>
             <a:endParaRPr lang="en-US" dirty="0"/>
@@ -2555,7 +2555,7 @@
           <a:p>
             <a:pPr lvl="0"/>
             <a:r>
-              <a:rPr lang="en-US" smtClean="0"/>
+              <a:rPr lang="en-US"/>
               <a:t>Click to edit Master text styles</a:t>
             </a:r>
           </a:p>
@@ -2629,7 +2629,7 @@
           <a:p>
             <a:pPr lvl="0"/>
             <a:r>
-              <a:rPr lang="en-US" smtClean="0"/>
+              <a:rPr lang="en-US"/>
               <a:t>Click to edit Master text styles</a:t>
             </a:r>
           </a:p>
@@ -2707,7 +2707,7 @@
           </a:lstStyle>
           <a:p>
             <a:r>
-              <a:rPr lang="en-US" smtClean="0"/>
+              <a:rPr lang="en-US"/>
               <a:t>Click icon to add picture</a:t>
             </a:r>
             <a:endParaRPr lang="en-US" dirty="0"/>
@@ -2775,7 +2775,7 @@
           <a:p>
             <a:pPr lvl="0"/>
             <a:r>
-              <a:rPr lang="en-US" smtClean="0"/>
+              <a:rPr lang="en-US"/>
               <a:t>Click to edit Master text styles</a:t>
             </a:r>
           </a:p>
@@ -2876,7 +2876,7 @@
           <a:p>
             <a:fld id="{E5458196-422F-424E-8345-ECE6F43BEC09}" type="datetimeFigureOut">
               <a:rPr lang="en-US" smtClean="0"/>
-              <a:t>9/12/2016</a:t>
+              <a:t>9/16/2016</a:t>
             </a:fld>
             <a:endParaRPr lang="en-US"/>
           </a:p>
@@ -2970,7 +2970,7 @@
           <a:lstStyle/>
           <a:p>
             <a:r>
-              <a:rPr lang="en-US" smtClean="0"/>
+              <a:rPr lang="en-US"/>
               <a:t>Click to edit Master title style</a:t>
             </a:r>
             <a:endParaRPr lang="en-US" dirty="0"/>
@@ -2994,35 +2994,35 @@
           <a:p>
             <a:pPr lvl="0"/>
             <a:r>
-              <a:rPr lang="en-US" smtClean="0"/>
+              <a:rPr lang="en-US"/>
               <a:t>Click to edit Master text styles</a:t>
             </a:r>
           </a:p>
           <a:p>
             <a:pPr lvl="1"/>
             <a:r>
-              <a:rPr lang="en-US" smtClean="0"/>
+              <a:rPr lang="en-US"/>
               <a:t>Second level</a:t>
             </a:r>
           </a:p>
           <a:p>
             <a:pPr lvl="2"/>
             <a:r>
-              <a:rPr lang="en-US" smtClean="0"/>
+              <a:rPr lang="en-US"/>
               <a:t>Third level</a:t>
             </a:r>
           </a:p>
           <a:p>
             <a:pPr lvl="3"/>
             <a:r>
-              <a:rPr lang="en-US" smtClean="0"/>
+              <a:rPr lang="en-US"/>
               <a:t>Fourth level</a:t>
             </a:r>
           </a:p>
           <a:p>
             <a:pPr lvl="4"/>
             <a:r>
-              <a:rPr lang="en-US" smtClean="0"/>
+              <a:rPr lang="en-US"/>
               <a:t>Fifth level</a:t>
             </a:r>
             <a:endParaRPr lang="en-US" dirty="0"/>
@@ -3046,7 +3046,7 @@
           <a:p>
             <a:fld id="{E5458196-422F-424E-8345-ECE6F43BEC09}" type="datetimeFigureOut">
               <a:rPr lang="en-US" smtClean="0"/>
-              <a:t>9/12/2016</a:t>
+              <a:t>9/16/2016</a:t>
             </a:fld>
             <a:endParaRPr lang="en-US"/>
           </a:p>
@@ -3145,7 +3145,7 @@
           <a:lstStyle/>
           <a:p>
             <a:r>
-              <a:rPr lang="en-US" smtClean="0"/>
+              <a:rPr lang="en-US"/>
               <a:t>Click to edit Master title style</a:t>
             </a:r>
             <a:endParaRPr lang="en-US" dirty="0"/>
@@ -3174,35 +3174,35 @@
           <a:p>
             <a:pPr lvl="0"/>
             <a:r>
-              <a:rPr lang="en-US" smtClean="0"/>
+              <a:rPr lang="en-US"/>
               <a:t>Click to edit Master text styles</a:t>
             </a:r>
           </a:p>
           <a:p>
             <a:pPr lvl="1"/>
             <a:r>
-              <a:rPr lang="en-US" smtClean="0"/>
+              <a:rPr lang="en-US"/>
               <a:t>Second level</a:t>
             </a:r>
           </a:p>
           <a:p>
             <a:pPr lvl="2"/>
             <a:r>
-              <a:rPr lang="en-US" smtClean="0"/>
+              <a:rPr lang="en-US"/>
               <a:t>Third level</a:t>
             </a:r>
           </a:p>
           <a:p>
             <a:pPr lvl="3"/>
             <a:r>
-              <a:rPr lang="en-US" smtClean="0"/>
+              <a:rPr lang="en-US"/>
               <a:t>Fourth level</a:t>
             </a:r>
           </a:p>
           <a:p>
             <a:pPr lvl="4"/>
             <a:r>
-              <a:rPr lang="en-US" smtClean="0"/>
+              <a:rPr lang="en-US"/>
               <a:t>Fifth level</a:t>
             </a:r>
             <a:endParaRPr lang="en-US" dirty="0"/>
@@ -3226,7 +3226,7 @@
           <a:p>
             <a:fld id="{E5458196-422F-424E-8345-ECE6F43BEC09}" type="datetimeFigureOut">
               <a:rPr lang="en-US" smtClean="0"/>
-              <a:t>9/12/2016</a:t>
+              <a:t>9/16/2016</a:t>
             </a:fld>
             <a:endParaRPr lang="en-US"/>
           </a:p>
@@ -3320,7 +3320,7 @@
           <a:lstStyle/>
           <a:p>
             <a:r>
-              <a:rPr lang="en-US" smtClean="0"/>
+              <a:rPr lang="en-US"/>
               <a:t>Click to edit Master title style</a:t>
             </a:r>
             <a:endParaRPr lang="en-US" dirty="0"/>
@@ -3344,35 +3344,35 @@
           <a:p>
             <a:pPr lvl="0"/>
             <a:r>
-              <a:rPr lang="en-US" smtClean="0"/>
+              <a:rPr lang="en-US"/>
               <a:t>Click to edit Master text styles</a:t>
             </a:r>
           </a:p>
           <a:p>
             <a:pPr lvl="1"/>
             <a:r>
-              <a:rPr lang="en-US" smtClean="0"/>
+              <a:rPr lang="en-US"/>
               <a:t>Second level</a:t>
             </a:r>
           </a:p>
           <a:p>
             <a:pPr lvl="2"/>
             <a:r>
-              <a:rPr lang="en-US" smtClean="0"/>
+              <a:rPr lang="en-US"/>
               <a:t>Third level</a:t>
             </a:r>
           </a:p>
           <a:p>
             <a:pPr lvl="3"/>
             <a:r>
-              <a:rPr lang="en-US" smtClean="0"/>
+              <a:rPr lang="en-US"/>
               <a:t>Fourth level</a:t>
             </a:r>
           </a:p>
           <a:p>
             <a:pPr lvl="4"/>
             <a:r>
-              <a:rPr lang="en-US" smtClean="0"/>
+              <a:rPr lang="en-US"/>
               <a:t>Fifth level</a:t>
             </a:r>
             <a:endParaRPr lang="en-US" dirty="0"/>
@@ -3396,7 +3396,7 @@
           <a:p>
             <a:fld id="{E5458196-422F-424E-8345-ECE6F43BEC09}" type="datetimeFigureOut">
               <a:rPr lang="en-US" smtClean="0"/>
-              <a:t>9/12/2016</a:t>
+              <a:t>9/16/2016</a:t>
             </a:fld>
             <a:endParaRPr lang="en-US"/>
           </a:p>
@@ -3499,7 +3499,7 @@
           </a:lstStyle>
           <a:p>
             <a:r>
-              <a:rPr lang="en-US" smtClean="0"/>
+              <a:rPr lang="en-US"/>
               <a:t>Click to edit Master title style</a:t>
             </a:r>
             <a:endParaRPr lang="en-US" dirty="0"/>
@@ -3620,7 +3620,7 @@
           <a:p>
             <a:pPr lvl="0"/>
             <a:r>
-              <a:rPr lang="en-US" smtClean="0"/>
+              <a:rPr lang="en-US"/>
               <a:t>Click to edit Master text styles</a:t>
             </a:r>
           </a:p>
@@ -3643,7 +3643,7 @@
           <a:p>
             <a:fld id="{E5458196-422F-424E-8345-ECE6F43BEC09}" type="datetimeFigureOut">
               <a:rPr lang="en-US" smtClean="0"/>
-              <a:t>9/12/2016</a:t>
+              <a:t>9/16/2016</a:t>
             </a:fld>
             <a:endParaRPr lang="en-US"/>
           </a:p>
@@ -3737,7 +3737,7 @@
           <a:lstStyle/>
           <a:p>
             <a:r>
-              <a:rPr lang="en-US" smtClean="0"/>
+              <a:rPr lang="en-US"/>
               <a:t>Click to edit Master title style</a:t>
             </a:r>
             <a:endParaRPr lang="en-US" dirty="0"/>
@@ -3796,35 +3796,35 @@
           <a:p>
             <a:pPr lvl="0"/>
             <a:r>
-              <a:rPr lang="en-US" smtClean="0"/>
+              <a:rPr lang="en-US"/>
               <a:t>Click to edit Master text styles</a:t>
             </a:r>
           </a:p>
           <a:p>
             <a:pPr lvl="1"/>
             <a:r>
-              <a:rPr lang="en-US" smtClean="0"/>
+              <a:rPr lang="en-US"/>
               <a:t>Second level</a:t>
             </a:r>
           </a:p>
           <a:p>
             <a:pPr lvl="2"/>
             <a:r>
-              <a:rPr lang="en-US" smtClean="0"/>
+              <a:rPr lang="en-US"/>
               <a:t>Third level</a:t>
             </a:r>
           </a:p>
           <a:p>
             <a:pPr lvl="3"/>
             <a:r>
-              <a:rPr lang="en-US" smtClean="0"/>
+              <a:rPr lang="en-US"/>
               <a:t>Fourth level</a:t>
             </a:r>
           </a:p>
           <a:p>
             <a:pPr lvl="4"/>
             <a:r>
-              <a:rPr lang="en-US" smtClean="0"/>
+              <a:rPr lang="en-US"/>
               <a:t>Fifth level</a:t>
             </a:r>
             <a:endParaRPr lang="en-US" dirty="0"/>
@@ -3883,35 +3883,35 @@
           <a:p>
             <a:pPr lvl="0"/>
             <a:r>
-              <a:rPr lang="en-US" smtClean="0"/>
+              <a:rPr lang="en-US"/>
               <a:t>Click to edit Master text styles</a:t>
             </a:r>
           </a:p>
           <a:p>
             <a:pPr lvl="1"/>
             <a:r>
-              <a:rPr lang="en-US" smtClean="0"/>
+              <a:rPr lang="en-US"/>
               <a:t>Second level</a:t>
             </a:r>
           </a:p>
           <a:p>
             <a:pPr lvl="2"/>
             <a:r>
-              <a:rPr lang="en-US" smtClean="0"/>
+              <a:rPr lang="en-US"/>
               <a:t>Third level</a:t>
             </a:r>
           </a:p>
           <a:p>
             <a:pPr lvl="3"/>
             <a:r>
-              <a:rPr lang="en-US" smtClean="0"/>
+              <a:rPr lang="en-US"/>
               <a:t>Fourth level</a:t>
             </a:r>
           </a:p>
           <a:p>
             <a:pPr lvl="4"/>
             <a:r>
-              <a:rPr lang="en-US" smtClean="0"/>
+              <a:rPr lang="en-US"/>
               <a:t>Fifth level</a:t>
             </a:r>
             <a:endParaRPr lang="en-US" dirty="0"/>
@@ -3935,7 +3935,7 @@
           <a:p>
             <a:fld id="{E5458196-422F-424E-8345-ECE6F43BEC09}" type="datetimeFigureOut">
               <a:rPr lang="en-US" smtClean="0"/>
-              <a:t>9/12/2016</a:t>
+              <a:t>9/16/2016</a:t>
             </a:fld>
             <a:endParaRPr lang="en-US"/>
           </a:p>
@@ -4033,7 +4033,7 @@
           </a:lstStyle>
           <a:p>
             <a:r>
-              <a:rPr lang="en-US" smtClean="0"/>
+              <a:rPr lang="en-US"/>
               <a:t>Click to edit Master title style</a:t>
             </a:r>
             <a:endParaRPr lang="en-US" dirty="0"/>
@@ -4108,7 +4108,7 @@
           <a:p>
             <a:pPr lvl="0"/>
             <a:r>
-              <a:rPr lang="en-US" smtClean="0"/>
+              <a:rPr lang="en-US"/>
               <a:t>Click to edit Master text styles</a:t>
             </a:r>
           </a:p>
@@ -4166,35 +4166,35 @@
           <a:p>
             <a:pPr lvl="0"/>
             <a:r>
-              <a:rPr lang="en-US" smtClean="0"/>
+              <a:rPr lang="en-US"/>
               <a:t>Click to edit Master text styles</a:t>
             </a:r>
           </a:p>
           <a:p>
             <a:pPr lvl="1"/>
             <a:r>
-              <a:rPr lang="en-US" smtClean="0"/>
+              <a:rPr lang="en-US"/>
               <a:t>Second level</a:t>
             </a:r>
           </a:p>
           <a:p>
             <a:pPr lvl="2"/>
             <a:r>
-              <a:rPr lang="en-US" smtClean="0"/>
+              <a:rPr lang="en-US"/>
               <a:t>Third level</a:t>
             </a:r>
           </a:p>
           <a:p>
             <a:pPr lvl="3"/>
             <a:r>
-              <a:rPr lang="en-US" smtClean="0"/>
+              <a:rPr lang="en-US"/>
               <a:t>Fourth level</a:t>
             </a:r>
           </a:p>
           <a:p>
             <a:pPr lvl="4"/>
             <a:r>
-              <a:rPr lang="en-US" smtClean="0"/>
+              <a:rPr lang="en-US"/>
               <a:t>Fifth level</a:t>
             </a:r>
             <a:endParaRPr lang="en-US" dirty="0"/>
@@ -4269,7 +4269,7 @@
           <a:p>
             <a:pPr lvl="0"/>
             <a:r>
-              <a:rPr lang="en-US" smtClean="0"/>
+              <a:rPr lang="en-US"/>
               <a:t>Click to edit Master text styles</a:t>
             </a:r>
           </a:p>
@@ -4327,35 +4327,35 @@
           <a:p>
             <a:pPr lvl="0"/>
             <a:r>
-              <a:rPr lang="en-US" smtClean="0"/>
+              <a:rPr lang="en-US"/>
               <a:t>Click to edit Master text styles</a:t>
             </a:r>
           </a:p>
           <a:p>
             <a:pPr lvl="1"/>
             <a:r>
-              <a:rPr lang="en-US" smtClean="0"/>
+              <a:rPr lang="en-US"/>
               <a:t>Second level</a:t>
             </a:r>
           </a:p>
           <a:p>
             <a:pPr lvl="2"/>
             <a:r>
-              <a:rPr lang="en-US" smtClean="0"/>
+              <a:rPr lang="en-US"/>
               <a:t>Third level</a:t>
             </a:r>
           </a:p>
           <a:p>
             <a:pPr lvl="3"/>
             <a:r>
-              <a:rPr lang="en-US" smtClean="0"/>
+              <a:rPr lang="en-US"/>
               <a:t>Fourth level</a:t>
             </a:r>
           </a:p>
           <a:p>
             <a:pPr lvl="4"/>
             <a:r>
-              <a:rPr lang="en-US" smtClean="0"/>
+              <a:rPr lang="en-US"/>
               <a:t>Fifth level</a:t>
             </a:r>
             <a:endParaRPr lang="en-US" dirty="0"/>
@@ -4379,7 +4379,7 @@
           <a:p>
             <a:fld id="{E5458196-422F-424E-8345-ECE6F43BEC09}" type="datetimeFigureOut">
               <a:rPr lang="en-US" smtClean="0"/>
-              <a:t>9/12/2016</a:t>
+              <a:t>9/16/2016</a:t>
             </a:fld>
             <a:endParaRPr lang="en-US"/>
           </a:p>
@@ -4473,7 +4473,7 @@
           <a:lstStyle/>
           <a:p>
             <a:r>
-              <a:rPr lang="en-US" smtClean="0"/>
+              <a:rPr lang="en-US"/>
               <a:t>Click to edit Master title style</a:t>
             </a:r>
             <a:endParaRPr lang="en-US" dirty="0"/>
@@ -4497,7 +4497,7 @@
           <a:p>
             <a:fld id="{E5458196-422F-424E-8345-ECE6F43BEC09}" type="datetimeFigureOut">
               <a:rPr lang="en-US" smtClean="0"/>
-              <a:t>9/12/2016</a:t>
+              <a:t>9/16/2016</a:t>
             </a:fld>
             <a:endParaRPr lang="en-US"/>
           </a:p>
@@ -4592,7 +4592,7 @@
           <a:p>
             <a:fld id="{E5458196-422F-424E-8345-ECE6F43BEC09}" type="datetimeFigureOut">
               <a:rPr lang="en-US" smtClean="0"/>
-              <a:t>9/12/2016</a:t>
+              <a:t>9/16/2016</a:t>
             </a:fld>
             <a:endParaRPr lang="en-US"/>
           </a:p>
@@ -4695,7 +4695,7 @@
           </a:lstStyle>
           <a:p>
             <a:r>
-              <a:rPr lang="en-US" smtClean="0"/>
+              <a:rPr lang="en-US"/>
               <a:t>Click to edit Master title style</a:t>
             </a:r>
             <a:endParaRPr lang="en-US" dirty="0"/>
@@ -4754,35 +4754,35 @@
           <a:p>
             <a:pPr lvl="0"/>
             <a:r>
-              <a:rPr lang="en-US" smtClean="0"/>
+              <a:rPr lang="en-US"/>
               <a:t>Click to edit Master text styles</a:t>
             </a:r>
           </a:p>
           <a:p>
             <a:pPr lvl="1"/>
             <a:r>
-              <a:rPr lang="en-US" smtClean="0"/>
+              <a:rPr lang="en-US"/>
               <a:t>Second level</a:t>
             </a:r>
           </a:p>
           <a:p>
             <a:pPr lvl="2"/>
             <a:r>
-              <a:rPr lang="en-US" smtClean="0"/>
+              <a:rPr lang="en-US"/>
               <a:t>Third level</a:t>
             </a:r>
           </a:p>
           <a:p>
             <a:pPr lvl="3"/>
             <a:r>
-              <a:rPr lang="en-US" smtClean="0"/>
+              <a:rPr lang="en-US"/>
               <a:t>Fourth level</a:t>
             </a:r>
           </a:p>
           <a:p>
             <a:pPr lvl="4"/>
             <a:r>
-              <a:rPr lang="en-US" smtClean="0"/>
+              <a:rPr lang="en-US"/>
               <a:t>Fifth level</a:t>
             </a:r>
             <a:endParaRPr lang="en-US" dirty="0"/>
@@ -4848,7 +4848,7 @@
           <a:p>
             <a:pPr lvl="0"/>
             <a:r>
-              <a:rPr lang="en-US" smtClean="0"/>
+              <a:rPr lang="en-US"/>
               <a:t>Click to edit Master text styles</a:t>
             </a:r>
           </a:p>
@@ -4871,7 +4871,7 @@
           <a:p>
             <a:fld id="{E5458196-422F-424E-8345-ECE6F43BEC09}" type="datetimeFigureOut">
               <a:rPr lang="en-US" smtClean="0"/>
-              <a:t>9/12/2016</a:t>
+              <a:t>9/16/2016</a:t>
             </a:fld>
             <a:endParaRPr lang="en-US"/>
           </a:p>
@@ -4976,7 +4976,7 @@
           </a:lstStyle>
           <a:p>
             <a:r>
-              <a:rPr lang="en-US" smtClean="0"/>
+              <a:rPr lang="en-US"/>
               <a:t>Click to edit Master title style</a:t>
             </a:r>
             <a:endParaRPr lang="en-US" dirty="0"/>
@@ -5055,7 +5055,7 @@
           </a:lstStyle>
           <a:p>
             <a:r>
-              <a:rPr lang="en-US" smtClean="0"/>
+              <a:rPr lang="en-US"/>
               <a:t>Click icon to add picture</a:t>
             </a:r>
             <a:endParaRPr lang="en-US" dirty="0"/>
@@ -5123,7 +5123,7 @@
           <a:p>
             <a:pPr lvl="0"/>
             <a:r>
-              <a:rPr lang="en-US" smtClean="0"/>
+              <a:rPr lang="en-US"/>
               <a:t>Click to edit Master text styles</a:t>
             </a:r>
           </a:p>
@@ -5146,7 +5146,7 @@
           <a:p>
             <a:fld id="{E5458196-422F-424E-8345-ECE6F43BEC09}" type="datetimeFigureOut">
               <a:rPr lang="en-US" smtClean="0"/>
-              <a:t>9/12/2016</a:t>
+              <a:t>9/16/2016</a:t>
             </a:fld>
             <a:endParaRPr lang="en-US"/>
           </a:p>
@@ -5470,7 +5470,7 @@
           <a:lstStyle/>
           <a:p>
             <a:r>
-              <a:rPr lang="en-US" smtClean="0"/>
+              <a:rPr lang="en-US"/>
               <a:t>Click to edit Master title style</a:t>
             </a:r>
             <a:endParaRPr lang="en-US" dirty="0"/>
@@ -5504,35 +5504,35 @@
           <a:p>
             <a:pPr lvl="0"/>
             <a:r>
-              <a:rPr lang="en-US" smtClean="0"/>
+              <a:rPr lang="en-US"/>
               <a:t>Click to edit Master text styles</a:t>
             </a:r>
           </a:p>
           <a:p>
             <a:pPr lvl="1"/>
             <a:r>
-              <a:rPr lang="en-US" smtClean="0"/>
+              <a:rPr lang="en-US"/>
               <a:t>Second level</a:t>
             </a:r>
           </a:p>
           <a:p>
             <a:pPr lvl="2"/>
             <a:r>
-              <a:rPr lang="en-US" smtClean="0"/>
+              <a:rPr lang="en-US"/>
               <a:t>Third level</a:t>
             </a:r>
           </a:p>
           <a:p>
             <a:pPr lvl="3"/>
             <a:r>
-              <a:rPr lang="en-US" smtClean="0"/>
+              <a:rPr lang="en-US"/>
               <a:t>Fourth level</a:t>
             </a:r>
           </a:p>
           <a:p>
             <a:pPr lvl="4"/>
             <a:r>
-              <a:rPr lang="en-US" smtClean="0"/>
+              <a:rPr lang="en-US"/>
               <a:t>Fifth level</a:t>
             </a:r>
             <a:endParaRPr lang="en-US" dirty="0"/>
@@ -5575,7 +5575,7 @@
           <a:p>
             <a:fld id="{E5458196-422F-424E-8345-ECE6F43BEC09}" type="datetimeFigureOut">
               <a:rPr lang="en-US" smtClean="0"/>
-              <a:t>9/12/2016</a:t>
+              <a:t>9/16/2016</a:t>
             </a:fld>
             <a:endParaRPr lang="en-US"/>
           </a:p>
@@ -6119,10 +6119,9 @@
           <a:lstStyle/>
           <a:p>
             <a:r>
-              <a:rPr lang="en-US" dirty="0" smtClean="0"/>
+              <a:rPr lang="en-US" dirty="0"/>
               <a:t>My	Diet App</a:t>
             </a:r>
-            <a:endParaRPr lang="en-US" dirty="0"/>
           </a:p>
         </p:txBody>
       </p:sp>
@@ -6142,30 +6141,22 @@
           <a:lstStyle/>
           <a:p>
             <a:r>
-              <a:rPr lang="he-IL" dirty="0" smtClean="0"/>
-              <a:t>נאור </a:t>
-            </a:r>
-            <a:r>
-              <a:rPr lang="he-IL" dirty="0" smtClean="0"/>
-              <a:t>דוד</a:t>
-            </a:r>
-            <a:r>
-              <a:rPr lang="en-US" dirty="0" smtClean="0"/>
+              <a:rPr lang="he-IL" dirty="0"/>
+              <a:t>נאור דוד</a:t>
+            </a:r>
+            <a:r>
+              <a:rPr lang="en-US" dirty="0"/>
               <a:t> 204510077</a:t>
             </a:r>
-            <a:endParaRPr lang="he-IL" dirty="0" smtClean="0"/>
-          </a:p>
-          <a:p>
-            <a:r>
-              <a:rPr lang="he-IL" dirty="0" smtClean="0"/>
-              <a:t>עדי </a:t>
-            </a:r>
-            <a:r>
-              <a:rPr lang="he-IL" dirty="0" smtClean="0"/>
-              <a:t>עזרן</a:t>
-            </a:r>
-            <a:r>
-              <a:rPr lang="en-US" smtClean="0"/>
+            <a:endParaRPr lang="he-IL" dirty="0"/>
+          </a:p>
+          <a:p>
+            <a:r>
+              <a:rPr lang="he-IL" dirty="0"/>
+              <a:t>עדי עזרן</a:t>
+            </a:r>
+            <a:r>
+              <a:rPr lang="en-US"/>
               <a:t> 041698226</a:t>
             </a:r>
             <a:endParaRPr lang="en-US" dirty="0"/>
@@ -6182,13 +6173,6 @@
   <p:clrMapOvr>
     <a:masterClrMapping/>
   </p:clrMapOvr>
-  <p:timing>
-    <p:tnLst>
-      <p:par>
-        <p:cTn id="1" dur="indefinite" restart="never" nodeType="tmRoot"/>
-      </p:par>
-    </p:tnLst>
-  </p:timing>
 </p:sld>
 </file>
 
@@ -6225,10 +6209,9 @@
           <a:lstStyle/>
           <a:p>
             <a:r>
-              <a:rPr lang="en-US" dirty="0" smtClean="0"/>
-              <a:t>indices</a:t>
-            </a:r>
-            <a:endParaRPr lang="en-US" dirty="0"/>
+              <a:rPr lang="en-US" dirty="0"/>
+              <a:t>indexes</a:t>
+            </a:r>
           </a:p>
         </p:txBody>
       </p:sp>
@@ -6252,18 +6235,17 @@
               <a:buChar char="v"/>
             </a:pPr>
             <a:r>
-              <a:rPr lang="en-US" dirty="0" smtClean="0"/>
-              <a:t>All schema get the defaults index from mongo  the </a:t>
-            </a:r>
-            <a:r>
-              <a:rPr lang="en-US" dirty="0" err="1" smtClean="0"/>
-              <a:t>ObjectId</a:t>
-            </a:r>
-            <a:r>
-              <a:rPr lang="en-US" dirty="0" smtClean="0"/>
+              <a:rPr lang="en-US" dirty="0"/>
+              <a:t>All schemas get defaults indexes from mongo which is the </a:t>
+            </a:r>
+            <a:r>
+              <a:rPr lang="en-US" dirty="0" err="1"/>
+              <a:t>Objectid</a:t>
+            </a:r>
+            <a:r>
+              <a:rPr lang="en-US" dirty="0"/>
               <a:t> _id</a:t>
             </a:r>
-            <a:endParaRPr lang="en-US" dirty="0" smtClean="0"/>
           </a:p>
           <a:p>
             <a:pPr>
@@ -6271,40 +6253,16 @@
               <a:buChar char="v"/>
             </a:pPr>
             <a:r>
-              <a:rPr lang="en-US" dirty="0" smtClean="0"/>
+              <a:rPr lang="en-US" dirty="0"/>
               <a:t>In user : {</a:t>
             </a:r>
             <a:r>
-              <a:rPr lang="en-US" dirty="0" err="1" smtClean="0"/>
+              <a:rPr lang="en-US" dirty="0" err="1"/>
               <a:t>user_name</a:t>
             </a:r>
             <a:r>
-              <a:rPr lang="en-US" dirty="0" smtClean="0"/>
-              <a:t> , password}  - </a:t>
-            </a:r>
-            <a:r>
-              <a:rPr lang="en-US" dirty="0" smtClean="0"/>
-              <a:t>faster </a:t>
-            </a:r>
-            <a:r>
-              <a:rPr lang="en-US" dirty="0" smtClean="0"/>
-              <a:t>search </a:t>
-            </a:r>
-            <a:r>
-              <a:rPr lang="en-US" dirty="0" smtClean="0"/>
-              <a:t>when a </a:t>
-            </a:r>
-            <a:r>
-              <a:rPr lang="en-US" dirty="0" smtClean="0"/>
-              <a:t>user </a:t>
-            </a:r>
-            <a:r>
-              <a:rPr lang="en-US" dirty="0" smtClean="0"/>
-              <a:t>tries </a:t>
-            </a:r>
-            <a:r>
-              <a:rPr lang="en-US" dirty="0" smtClean="0"/>
-              <a:t>to log in</a:t>
+              <a:rPr lang="en-US" dirty="0"/>
+              <a:t> , password}  - faster search when a user tries to log in</a:t>
             </a:r>
           </a:p>
           <a:p>
@@ -6313,22 +6271,22 @@
               <a:buChar char="v"/>
             </a:pPr>
             <a:r>
-              <a:rPr lang="en-US" dirty="0" smtClean="0"/>
+              <a:rPr lang="en-US" dirty="0"/>
               <a:t>In product : {</a:t>
             </a:r>
             <a:r>
-              <a:rPr lang="en-US" dirty="0" err="1" smtClean="0"/>
+              <a:rPr lang="en-US" dirty="0" err="1"/>
               <a:t>product_name</a:t>
             </a:r>
             <a:r>
-              <a:rPr lang="en-US" dirty="0" smtClean="0"/>
+              <a:rPr lang="en-US" dirty="0"/>
               <a:t>} – most of the product query is for </a:t>
             </a:r>
             <a:r>
-              <a:rPr lang="en-US" dirty="0" err="1" smtClean="0"/>
+              <a:rPr lang="en-US" dirty="0" err="1"/>
               <a:t>product_name</a:t>
             </a:r>
-            <a:endParaRPr lang="en-US" dirty="0" smtClean="0"/>
+            <a:endParaRPr lang="en-US" dirty="0"/>
           </a:p>
           <a:p>
             <a:pPr>
@@ -6336,34 +6294,22 @@
               <a:buChar char="v"/>
             </a:pPr>
             <a:r>
-              <a:rPr lang="en-US" dirty="0" smtClean="0"/>
+              <a:rPr lang="en-US" dirty="0"/>
               <a:t>In comments : {</a:t>
             </a:r>
             <a:r>
-              <a:rPr lang="en-US" dirty="0" err="1" smtClean="0"/>
+              <a:rPr lang="en-US" dirty="0" err="1"/>
               <a:t>topic_id</a:t>
             </a:r>
             <a:r>
-              <a:rPr lang="en-US" dirty="0" smtClean="0"/>
-              <a:t>} – all comment related to topic so when </a:t>
-            </a:r>
-            <a:r>
-              <a:rPr lang="en-US" dirty="0" smtClean="0"/>
-              <a:t>a user queries for </a:t>
-            </a:r>
-            <a:r>
-              <a:rPr lang="en-US" dirty="0" smtClean="0"/>
-              <a:t>comments he need to search </a:t>
-            </a:r>
-            <a:r>
-              <a:rPr lang="en-US" dirty="0" smtClean="0"/>
-              <a:t>a relevant </a:t>
-            </a:r>
-            <a:r>
-              <a:rPr lang="en-US" dirty="0" err="1" smtClean="0"/>
+              <a:rPr lang="en-US" dirty="0"/>
+              <a:t>} – all comments are related to a topic so when a user queries for comments he needs to search a relevant </a:t>
+            </a:r>
+            <a:r>
+              <a:rPr lang="en-US" dirty="0" err="1"/>
               <a:t>topic_id</a:t>
             </a:r>
-            <a:endParaRPr lang="en-US" dirty="0" smtClean="0"/>
+            <a:endParaRPr lang="en-US" dirty="0"/>
           </a:p>
           <a:p>
             <a:pPr>
@@ -6384,13 +6330,6 @@
   <p:clrMapOvr>
     <a:masterClrMapping/>
   </p:clrMapOvr>
-  <p:timing>
-    <p:tnLst>
-      <p:par>
-        <p:cTn id="1" dur="indefinite" restart="never" nodeType="tmRoot"/>
-      </p:par>
-    </p:tnLst>
-  </p:timing>
 </p:sld>
 </file>
 
@@ -6427,10 +6366,9 @@
           <a:lstStyle/>
           <a:p>
             <a:r>
-              <a:rPr lang="en-US" dirty="0" smtClean="0"/>
+              <a:rPr lang="en-US" dirty="0"/>
               <a:t>Some code example</a:t>
             </a:r>
-            <a:endParaRPr lang="en-US" dirty="0"/>
           </a:p>
         </p:txBody>
       </p:sp>
@@ -6518,13 +6456,6 @@
   <p:clrMapOvr>
     <a:masterClrMapping/>
   </p:clrMapOvr>
-  <p:timing>
-    <p:tnLst>
-      <p:par>
-        <p:cTn id="1" dur="indefinite" restart="never" nodeType="tmRoot"/>
-      </p:par>
-    </p:tnLst>
-  </p:timing>
 </p:sld>
 </file>
 
@@ -6561,10 +6492,9 @@
           <a:lstStyle/>
           <a:p>
             <a:r>
-              <a:rPr lang="en-US" dirty="0" smtClean="0"/>
+              <a:rPr lang="en-US" dirty="0"/>
               <a:t>Difficulties</a:t>
             </a:r>
-            <a:endParaRPr lang="en-US" dirty="0"/>
           </a:p>
         </p:txBody>
       </p:sp>
@@ -6588,7 +6518,7 @@
               <a:buChar char="v"/>
             </a:pPr>
             <a:r>
-              <a:rPr lang="en-US" dirty="0" smtClean="0"/>
+              <a:rPr lang="en-US" dirty="0"/>
               <a:t>Short time</a:t>
             </a:r>
           </a:p>
@@ -6598,8 +6528,8 @@
               <a:buChar char="v"/>
             </a:pPr>
             <a:r>
-              <a:rPr lang="en-US" dirty="0" smtClean="0"/>
-              <a:t>New environments and customize it </a:t>
+              <a:rPr lang="en-US" dirty="0"/>
+              <a:t>New environments and customizing them </a:t>
             </a:r>
           </a:p>
           <a:p>
@@ -6608,14 +6538,9 @@
               <a:buChar char="v"/>
             </a:pPr>
             <a:r>
-              <a:rPr lang="en-US" dirty="0" smtClean="0"/>
-              <a:t>Working with new DB with different </a:t>
-            </a:r>
-            <a:r>
-              <a:rPr lang="en-US" dirty="0" smtClean="0"/>
-              <a:t>structure</a:t>
-            </a:r>
-            <a:endParaRPr lang="en-US" dirty="0" smtClean="0"/>
+              <a:rPr lang="en-US" dirty="0"/>
+              <a:t>Working with new DB with different structure</a:t>
+            </a:r>
           </a:p>
           <a:p>
             <a:pPr>
@@ -6636,13 +6561,6 @@
   <p:clrMapOvr>
     <a:masterClrMapping/>
   </p:clrMapOvr>
-  <p:timing>
-    <p:tnLst>
-      <p:par>
-        <p:cTn id="1" dur="indefinite" restart="never" nodeType="tmRoot"/>
-      </p:par>
-    </p:tnLst>
-  </p:timing>
 </p:sld>
 </file>
 
@@ -6679,17 +6597,16 @@
           <a:lstStyle/>
           <a:p>
             <a:r>
-              <a:rPr lang="en-US" sz="7200" dirty="0" smtClean="0"/>
+              <a:rPr lang="en-US" sz="7200" dirty="0"/>
               <a:t>Questions ? No ?</a:t>
             </a:r>
             <a:br>
-              <a:rPr lang="en-US" sz="7200" dirty="0" smtClean="0"/>
+              <a:rPr lang="en-US" sz="7200" dirty="0"/>
             </a:br>
             <a:r>
-              <a:rPr lang="en-US" sz="7200" dirty="0" smtClean="0"/>
+              <a:rPr lang="en-US" sz="7200" dirty="0"/>
               <a:t>Thanks</a:t>
             </a:r>
-            <a:endParaRPr lang="en-US" sz="7200" dirty="0"/>
           </a:p>
         </p:txBody>
       </p:sp>
@@ -6703,13 +6620,6 @@
   <p:clrMapOvr>
     <a:masterClrMapping/>
   </p:clrMapOvr>
-  <p:timing>
-    <p:tnLst>
-      <p:par>
-        <p:cTn id="1" dur="indefinite" restart="never" nodeType="tmRoot"/>
-      </p:par>
-    </p:tnLst>
-  </p:timing>
 </p:sld>
 </file>
 
@@ -6746,21 +6656,16 @@
           <a:lstStyle/>
           <a:p>
             <a:r>
-              <a:rPr lang="en-US" dirty="0" smtClean="0"/>
+              <a:rPr lang="en-US" dirty="0"/>
               <a:t>Introduction</a:t>
             </a:r>
             <a:br>
-              <a:rPr lang="en-US" dirty="0" smtClean="0"/>
+              <a:rPr lang="en-US" dirty="0"/>
             </a:br>
             <a:r>
               <a:rPr lang="en-US" dirty="0"/>
-              <a:t>	</a:t>
-            </a:r>
-            <a:r>
-              <a:rPr lang="en-US" dirty="0" smtClean="0"/>
-              <a:t>	</a:t>
-            </a:r>
-            <a:endParaRPr lang="en-US" dirty="0"/>
+              <a:t>		</a:t>
+            </a:r>
           </a:p>
         </p:txBody>
       </p:sp>
@@ -6788,16 +6693,8 @@
               <a:buChar char="v"/>
             </a:pPr>
             <a:r>
-              <a:rPr lang="en-US" dirty="0" smtClean="0"/>
-              <a:t>My Diet App is </a:t>
-            </a:r>
-            <a:r>
-              <a:rPr lang="en-US" dirty="0" smtClean="0"/>
-              <a:t>a social </a:t>
-            </a:r>
-            <a:r>
-              <a:rPr lang="en-US" dirty="0" smtClean="0"/>
-              <a:t>network for people that need help with there diet.</a:t>
+              <a:rPr lang="en-US" dirty="0"/>
+              <a:t>My Diet App is a social network for people that need help with their diet.</a:t>
             </a:r>
           </a:p>
           <a:p>
@@ -6810,20 +6707,8 @@
               <a:buChar char="v"/>
             </a:pPr>
             <a:r>
-              <a:rPr lang="en-US" dirty="0" smtClean="0"/>
-              <a:t>It’s a place where </a:t>
-            </a:r>
-            <a:r>
-              <a:rPr lang="en-US" dirty="0" smtClean="0"/>
-              <a:t>you can </a:t>
-            </a:r>
-            <a:r>
-              <a:rPr lang="en-US" dirty="0" smtClean="0"/>
-              <a:t>process </a:t>
-            </a:r>
-            <a:r>
-              <a:rPr lang="en-US" dirty="0" smtClean="0"/>
-              <a:t>your meal for calorie counting and history. </a:t>
+              <a:rPr lang="en-US" dirty="0"/>
+              <a:t>A place where you can process your meal for calorie counting and history. </a:t>
             </a:r>
           </a:p>
           <a:p>
@@ -6836,28 +6721,8 @@
               <a:buChar char="v"/>
             </a:pPr>
             <a:r>
-              <a:rPr lang="en-US" dirty="0" smtClean="0"/>
-              <a:t>It’s a </a:t>
-            </a:r>
-            <a:r>
-              <a:rPr lang="en-US" dirty="0" smtClean="0"/>
-              <a:t>place </a:t>
-            </a:r>
-            <a:r>
-              <a:rPr lang="en-US" dirty="0" smtClean="0"/>
-              <a:t>where you </a:t>
-            </a:r>
-            <a:r>
-              <a:rPr lang="en-US" dirty="0" smtClean="0"/>
-              <a:t>can </a:t>
-            </a:r>
-            <a:r>
-              <a:rPr lang="en-US" dirty="0" smtClean="0"/>
-              <a:t>share </a:t>
-            </a:r>
-            <a:r>
-              <a:rPr lang="en-US" dirty="0" smtClean="0"/>
-              <a:t>the difficulties in the diet process.</a:t>
+              <a:rPr lang="en-US" dirty="0"/>
+              <a:t>A place where you can share your difficulties in the diet process.</a:t>
             </a:r>
           </a:p>
           <a:p>
@@ -6870,28 +6735,8 @@
               <a:buChar char="v"/>
             </a:pPr>
             <a:r>
-              <a:rPr lang="en-US" dirty="0" smtClean="0"/>
-              <a:t>It’s a </a:t>
-            </a:r>
-            <a:r>
               <a:rPr lang="en-US" dirty="0"/>
-              <a:t>place </a:t>
-            </a:r>
-            <a:r>
-              <a:rPr lang="en-US" dirty="0" smtClean="0"/>
-              <a:t>where you </a:t>
-            </a:r>
-            <a:r>
-              <a:rPr lang="en-US" dirty="0" smtClean="0"/>
-              <a:t>can help </a:t>
-            </a:r>
-            <a:r>
-              <a:rPr lang="en-US" dirty="0" smtClean="0"/>
-              <a:t>other users persist with their diets </a:t>
-            </a:r>
-            <a:r>
-              <a:rPr lang="en-US" dirty="0" smtClean="0"/>
-              <a:t>and make the process easer.</a:t>
+              <a:t>A place where you can help other users carry on with their diets and make the process easer.</a:t>
             </a:r>
           </a:p>
           <a:p>
@@ -6904,24 +6749,8 @@
               <a:buChar char="v"/>
             </a:pPr>
             <a:r>
-              <a:rPr lang="en-US" dirty="0" smtClean="0"/>
-              <a:t>It’s a </a:t>
-            </a:r>
-            <a:r>
-              <a:rPr lang="en-US" dirty="0" smtClean="0"/>
-              <a:t>service that </a:t>
-            </a:r>
-            <a:r>
-              <a:rPr lang="en-US" dirty="0" smtClean="0"/>
-              <a:t>you can </a:t>
-            </a:r>
-            <a:r>
-              <a:rPr lang="en-US" dirty="0" smtClean="0"/>
-              <a:t>use as a web </a:t>
-            </a:r>
-            <a:r>
-              <a:rPr lang="en-US" dirty="0" smtClean="0"/>
-              <a:t>site , mobile and desktop app.</a:t>
+              <a:rPr lang="en-US" dirty="0"/>
+              <a:t>A service that you can use as a web site , mobile and desktop app.</a:t>
             </a:r>
           </a:p>
           <a:p>
@@ -6947,13 +6776,6 @@
   <p:clrMapOvr>
     <a:masterClrMapping/>
   </p:clrMapOvr>
-  <p:timing>
-    <p:tnLst>
-      <p:par>
-        <p:cTn id="1" dur="indefinite" restart="never" nodeType="tmRoot"/>
-      </p:par>
-    </p:tnLst>
-  </p:timing>
 </p:sld>
 </file>
 
@@ -6995,12 +6817,8 @@
           <a:lstStyle/>
           <a:p>
             <a:r>
-              <a:rPr lang="en-US" dirty="0" smtClean="0"/>
+              <a:rPr lang="en-US" dirty="0"/>
               <a:t>Modules</a:t>
-            </a:r>
-            <a:r>
-              <a:rPr lang="en-US" dirty="0"/>
-              <a:t/>
             </a:r>
             <a:br>
               <a:rPr lang="en-US" dirty="0"/>
@@ -7032,7 +6850,7 @@
           <a:lstStyle/>
           <a:p>
             <a:r>
-              <a:rPr lang="en-US" dirty="0" smtClean="0"/>
+              <a:rPr lang="en-US" dirty="0"/>
               <a:t>Express </a:t>
             </a:r>
           </a:p>
@@ -7040,76 +6858,55 @@
             <a:pPr lvl="1"/>
             <a:r>
               <a:rPr lang="en-US" dirty="0"/>
-              <a:t>Express is preferred because it adds </a:t>
-            </a:r>
-            <a:r>
-              <a:rPr lang="en-US" dirty="0" smtClean="0"/>
-              <a:t>simple </a:t>
-            </a:r>
+              <a:t>Express is preferred because it adds simple routing and support for Connect middleware, allowing many extensions and useful features.</a:t>
+            </a:r>
+          </a:p>
+          <a:p>
+            <a:pPr lvl="1"/>
             <a:r>
               <a:rPr lang="en-US" dirty="0"/>
-              <a:t>routing and support for Connect middleware, allowing many extensions and useful features</a:t>
-            </a:r>
-            <a:r>
-              <a:rPr lang="en-US" dirty="0" smtClean="0"/>
-              <a:t>.</a:t>
+              <a:t>Easy to install and you can find examples and tutorial online.</a:t>
+            </a:r>
+          </a:p>
+          <a:p>
+            <a:r>
+              <a:rPr lang="en-US" dirty="0"/>
+              <a:t>Mongoose</a:t>
             </a:r>
           </a:p>
           <a:p>
             <a:pPr lvl="1"/>
             <a:r>
-              <a:rPr lang="en-US" dirty="0" smtClean="0"/>
+              <a:rPr lang="en-US" dirty="0"/>
+              <a:t>Mongoose allows us to have access to the MongoDB commands for CRUD simply and easily. </a:t>
+            </a:r>
+          </a:p>
+          <a:p>
+            <a:pPr lvl="1"/>
+            <a:r>
+              <a:rPr lang="en-US" dirty="0"/>
               <a:t>Easy to install and you can find examples and tutorial online.</a:t>
             </a:r>
           </a:p>
           <a:p>
-            <a:r>
-              <a:rPr lang="en-US" dirty="0" smtClean="0"/>
-              <a:t>Mongoose</a:t>
-            </a:r>
-          </a:p>
-          <a:p>
             <a:pPr lvl="1"/>
             <a:r>
               <a:rPr lang="en-US" dirty="0"/>
-              <a:t>Mongoose allows us to have access to the MongoDB commands for CRUD simply and </a:t>
-            </a:r>
-            <a:r>
-              <a:rPr lang="en-US" dirty="0" smtClean="0"/>
-              <a:t>easily. </a:t>
+              <a:t>Learned in class,</a:t>
+            </a:r>
+          </a:p>
+          <a:p>
+            <a:r>
+              <a:rPr lang="en-US" dirty="0"/>
+              <a:t>Body-parser –</a:t>
             </a:r>
           </a:p>
           <a:p>
             <a:pPr lvl="1"/>
             <a:r>
               <a:rPr lang="en-US" dirty="0"/>
-              <a:t>Easy to install and you can find examples and tutorial </a:t>
-            </a:r>
-            <a:r>
-              <a:rPr lang="en-US" dirty="0" smtClean="0"/>
-              <a:t>online.</a:t>
-            </a:r>
-          </a:p>
-          <a:p>
-            <a:pPr lvl="1"/>
-            <a:r>
-              <a:rPr lang="en-US" dirty="0" smtClean="0"/>
-              <a:t>Learned in class,</a:t>
-            </a:r>
-          </a:p>
-          <a:p>
-            <a:r>
-              <a:rPr lang="en-US" dirty="0" smtClean="0"/>
-              <a:t>Body-parser –</a:t>
-            </a:r>
-          </a:p>
-          <a:p>
-            <a:pPr lvl="1"/>
-            <a:r>
-              <a:rPr lang="en-US" dirty="0" smtClean="0"/>
               <a:t>Simple way to use JSON Easley. </a:t>
             </a:r>
-            <a:endParaRPr lang="en-US" dirty="0"/>
           </a:p>
         </p:txBody>
       </p:sp>
@@ -7123,13 +6920,6 @@
   <p:clrMapOvr>
     <a:masterClrMapping/>
   </p:clrMapOvr>
-  <p:timing>
-    <p:tnLst>
-      <p:par>
-        <p:cTn id="1" dur="indefinite" restart="never" nodeType="tmRoot"/>
-      </p:par>
-    </p:tnLst>
-  </p:timing>
 </p:sld>
 </file>
 
@@ -7166,10 +6956,9 @@
           <a:lstStyle/>
           <a:p>
             <a:r>
-              <a:rPr lang="en-US" dirty="0" smtClean="0"/>
+              <a:rPr lang="en-US" dirty="0"/>
               <a:t>Schema – users		</a:t>
             </a:r>
-            <a:endParaRPr lang="en-US" dirty="0"/>
           </a:p>
         </p:txBody>
       </p:sp>
@@ -7209,13 +6998,6 @@
   <p:clrMapOvr>
     <a:masterClrMapping/>
   </p:clrMapOvr>
-  <p:timing>
-    <p:tnLst>
-      <p:par>
-        <p:cTn id="1" dur="indefinite" restart="never" nodeType="tmRoot"/>
-      </p:par>
-    </p:tnLst>
-  </p:timing>
 </p:sld>
 </file>
 
@@ -7253,15 +7035,7 @@
           <a:p>
             <a:r>
               <a:rPr lang="en-US" dirty="0"/>
-              <a:t>Schema – </a:t>
-            </a:r>
-            <a:r>
-              <a:rPr lang="en-US" dirty="0" smtClean="0"/>
-              <a:t>Product</a:t>
-            </a:r>
-            <a:r>
-              <a:rPr lang="en-US" dirty="0"/>
-              <a:t>	</a:t>
+              <a:t>Schema – Product	</a:t>
             </a:r>
           </a:p>
         </p:txBody>
@@ -7302,13 +7076,6 @@
   <p:clrMapOvr>
     <a:masterClrMapping/>
   </p:clrMapOvr>
-  <p:timing>
-    <p:tnLst>
-      <p:par>
-        <p:cTn id="1" dur="indefinite" restart="never" nodeType="tmRoot"/>
-      </p:par>
-    </p:tnLst>
-  </p:timing>
 </p:sld>
 </file>
 
@@ -7345,11 +7112,11 @@
           <a:lstStyle/>
           <a:p>
             <a:r>
-              <a:rPr lang="en-US" dirty="0" smtClean="0"/>
+              <a:rPr lang="en-US" dirty="0"/>
               <a:t>Schema  - Meal_products</a:t>
             </a:r>
             <a:br>
-              <a:rPr lang="en-US" dirty="0" smtClean="0"/>
+              <a:rPr lang="en-US" dirty="0"/>
             </a:br>
             <a:endParaRPr lang="en-US" dirty="0"/>
           </a:p>
@@ -7391,13 +7158,6 @@
   <p:clrMapOvr>
     <a:masterClrMapping/>
   </p:clrMapOvr>
-  <p:timing>
-    <p:tnLst>
-      <p:par>
-        <p:cTn id="1" dur="indefinite" restart="never" nodeType="tmRoot"/>
-      </p:par>
-    </p:tnLst>
-  </p:timing>
 </p:sld>
 </file>
 
@@ -7435,14 +7195,10 @@
           <a:p>
             <a:r>
               <a:rPr lang="en-US" dirty="0"/>
-              <a:t>Schema  - </a:t>
-            </a:r>
-            <a:r>
-              <a:rPr lang="en-US" dirty="0" smtClean="0"/>
-              <a:t>Topics</a:t>
+              <a:t>Schema  - Topics</a:t>
             </a:r>
             <a:br>
-              <a:rPr lang="en-US" dirty="0" smtClean="0"/>
+              <a:rPr lang="en-US" dirty="0"/>
             </a:br>
             <a:endParaRPr lang="en-US" dirty="0"/>
           </a:p>
@@ -7484,13 +7240,6 @@
   <p:clrMapOvr>
     <a:masterClrMapping/>
   </p:clrMapOvr>
-  <p:timing>
-    <p:tnLst>
-      <p:par>
-        <p:cTn id="1" dur="indefinite" restart="never" nodeType="tmRoot"/>
-      </p:par>
-    </p:tnLst>
-  </p:timing>
 </p:sld>
 </file>
 
@@ -7527,10 +7276,9 @@
           <a:lstStyle/>
           <a:p>
             <a:r>
-              <a:rPr lang="en-US" dirty="0" smtClean="0"/>
+              <a:rPr lang="en-US" dirty="0"/>
               <a:t>Schema - comments</a:t>
             </a:r>
-            <a:endParaRPr lang="en-US" dirty="0"/>
           </a:p>
         </p:txBody>
       </p:sp>
@@ -7570,13 +7318,6 @@
   <p:clrMapOvr>
     <a:masterClrMapping/>
   </p:clrMapOvr>
-  <p:timing>
-    <p:tnLst>
-      <p:par>
-        <p:cTn id="1" dur="indefinite" restart="never" nodeType="tmRoot"/>
-      </p:par>
-    </p:tnLst>
-  </p:timing>
 </p:sld>
 </file>
 
@@ -7613,10 +7354,9 @@
           <a:lstStyle/>
           <a:p>
             <a:r>
-              <a:rPr lang="en-US" dirty="0" smtClean="0"/>
+              <a:rPr lang="en-US" dirty="0"/>
               <a:t>ERD</a:t>
             </a:r>
-            <a:endParaRPr lang="en-US" dirty="0"/>
           </a:p>
         </p:txBody>
       </p:sp>
@@ -7656,13 +7396,6 @@
   <p:clrMapOvr>
     <a:masterClrMapping/>
   </p:clrMapOvr>
-  <p:timing>
-    <p:tnLst>
-      <p:par>
-        <p:cTn id="1" dur="indefinite" restart="never" nodeType="tmRoot"/>
-      </p:par>
-    </p:tnLst>
-  </p:timing>
 </p:sld>
 </file>
 
